--- a/pics for thesis/Brake_Photo.pptx
+++ b/pics for thesis/Brake_Photo.pptx
@@ -120,14 +120,6 @@
 </p:presentation>
 </file>
 
-<file path=ppt/revisionInfo.xml><?xml version="1.0" encoding="utf-8"?>
-<p1510:revInfo xmlns:a="http://schemas.openxmlformats.org/drawingml/2006/main" xmlns:r="http://schemas.openxmlformats.org/officeDocument/2006/relationships" xmlns:p1510="http://schemas.microsoft.com/office/powerpoint/2015/10/main">
-  <p1510:revLst>
-    <p1510:client id="{114AC3E4-29E1-47AD-A1E7-0F1F7B0F2045}" v="658" dt="2024-11-21T10:54:35.706"/>
-  </p1510:revLst>
-</p1510:revInfo>
-</file>
-
 <file path=ppt/changesInfos/changesInfo1.xml><?xml version="1.0" encoding="utf-8"?>
 <pc:chgInfo xmlns:a="http://schemas.openxmlformats.org/drawingml/2006/main" xmlns:r="http://schemas.openxmlformats.org/officeDocument/2006/relationships" xmlns:ac="http://schemas.microsoft.com/office/drawing/2013/main/command" xmlns:pc="http://schemas.microsoft.com/office/powerpoint/2013/main/command">
   <pc:docChgLst>
@@ -1426,6 +1418,141 @@
             <ac:cxnSpMk id="33" creationId="{E42B258F-F061-752D-FC5C-AFD4AE13569A}"/>
           </ac:cxnSpMkLst>
         </pc:cxnChg>
+      </pc:sldChg>
+    </pc:docChg>
+  </pc:docChgLst>
+  <pc:docChgLst>
+    <pc:chgData name="Shengya Guo" userId="a35cb48c79df337d" providerId="LiveId" clId="{C126E2D1-F98E-415C-BDC4-DEA4B31F54EC}"/>
+    <pc:docChg chg="custSel modSld">
+      <pc:chgData name="Shengya Guo" userId="a35cb48c79df337d" providerId="LiveId" clId="{C126E2D1-F98E-415C-BDC4-DEA4B31F54EC}" dt="2024-12-02T13:59:14.638" v="134" actId="14100"/>
+      <pc:docMkLst>
+        <pc:docMk/>
+      </pc:docMkLst>
+      <pc:sldChg chg="addSp modSp mod">
+        <pc:chgData name="Shengya Guo" userId="a35cb48c79df337d" providerId="LiveId" clId="{C126E2D1-F98E-415C-BDC4-DEA4B31F54EC}" dt="2024-12-02T13:59:14.638" v="134" actId="14100"/>
+        <pc:sldMkLst>
+          <pc:docMk/>
+          <pc:sldMk cId="22935117" sldId="2147478237"/>
+        </pc:sldMkLst>
+        <pc:spChg chg="add mod ord">
+          <ac:chgData name="Shengya Guo" userId="a35cb48c79df337d" providerId="LiveId" clId="{C126E2D1-F98E-415C-BDC4-DEA4B31F54EC}" dt="2024-12-02T13:47:46.719" v="46" actId="14100"/>
+          <ac:spMkLst>
+            <pc:docMk/>
+            <pc:sldMk cId="22935117" sldId="2147478237"/>
+            <ac:spMk id="3" creationId="{C7F212BB-8397-BAE2-E7D7-0442E9257590}"/>
+          </ac:spMkLst>
+        </pc:spChg>
+        <pc:spChg chg="add mod ord">
+          <ac:chgData name="Shengya Guo" userId="a35cb48c79df337d" providerId="LiveId" clId="{C126E2D1-F98E-415C-BDC4-DEA4B31F54EC}" dt="2024-12-02T13:49:01.474" v="52" actId="1076"/>
+          <ac:spMkLst>
+            <pc:docMk/>
+            <pc:sldMk cId="22935117" sldId="2147478237"/>
+            <ac:spMk id="4" creationId="{E61A1308-0D70-2BF6-CB7B-940E500FAE46}"/>
+          </ac:spMkLst>
+        </pc:spChg>
+        <pc:spChg chg="mod ord">
+          <ac:chgData name="Shengya Guo" userId="a35cb48c79df337d" providerId="LiveId" clId="{C126E2D1-F98E-415C-BDC4-DEA4B31F54EC}" dt="2024-12-02T13:58:35.999" v="130" actId="33524"/>
+          <ac:spMkLst>
+            <pc:docMk/>
+            <pc:sldMk cId="22935117" sldId="2147478237"/>
+            <ac:spMk id="7" creationId="{CD0705C1-FD62-7067-EDCE-3D99974CE05F}"/>
+          </ac:spMkLst>
+        </pc:spChg>
+        <pc:spChg chg="add mod ord">
+          <ac:chgData name="Shengya Guo" userId="a35cb48c79df337d" providerId="LiveId" clId="{C126E2D1-F98E-415C-BDC4-DEA4B31F54EC}" dt="2024-12-02T13:49:33.153" v="55" actId="14100"/>
+          <ac:spMkLst>
+            <pc:docMk/>
+            <pc:sldMk cId="22935117" sldId="2147478237"/>
+            <ac:spMk id="10" creationId="{5EB4634C-29EA-7842-A146-53A825051140}"/>
+          </ac:spMkLst>
+        </pc:spChg>
+        <pc:spChg chg="mod">
+          <ac:chgData name="Shengya Guo" userId="a35cb48c79df337d" providerId="LiveId" clId="{C126E2D1-F98E-415C-BDC4-DEA4B31F54EC}" dt="2024-12-02T13:55:58.099" v="126" actId="1076"/>
+          <ac:spMkLst>
+            <pc:docMk/>
+            <pc:sldMk cId="22935117" sldId="2147478237"/>
+            <ac:spMk id="32" creationId="{B47B92C6-71F1-B3EF-B8CC-9F36C138BCC1}"/>
+          </ac:spMkLst>
+        </pc:spChg>
+        <pc:spChg chg="mod">
+          <ac:chgData name="Shengya Guo" userId="a35cb48c79df337d" providerId="LiveId" clId="{C126E2D1-F98E-415C-BDC4-DEA4B31F54EC}" dt="2024-12-02T13:55:02.576" v="84" actId="1076"/>
+          <ac:spMkLst>
+            <pc:docMk/>
+            <pc:sldMk cId="22935117" sldId="2147478237"/>
+            <ac:spMk id="35" creationId="{A8DD83FE-E7B8-817E-EB82-5216FF12C3C3}"/>
+          </ac:spMkLst>
+        </pc:spChg>
+        <pc:spChg chg="add mod ord">
+          <ac:chgData name="Shengya Guo" userId="a35cb48c79df337d" providerId="LiveId" clId="{C126E2D1-F98E-415C-BDC4-DEA4B31F54EC}" dt="2024-12-02T13:54:35.080" v="78" actId="14100"/>
+          <ac:spMkLst>
+            <pc:docMk/>
+            <pc:sldMk cId="22935117" sldId="2147478237"/>
+            <ac:spMk id="38" creationId="{BA291903-5231-A5A0-9FE5-D606A0A1DB43}"/>
+          </ac:spMkLst>
+        </pc:spChg>
+        <pc:spChg chg="add mod">
+          <ac:chgData name="Shengya Guo" userId="a35cb48c79df337d" providerId="LiveId" clId="{C126E2D1-F98E-415C-BDC4-DEA4B31F54EC}" dt="2024-12-02T13:59:07.240" v="133" actId="1076"/>
+          <ac:spMkLst>
+            <pc:docMk/>
+            <pc:sldMk cId="22935117" sldId="2147478237"/>
+            <ac:spMk id="54" creationId="{C701AEA8-D753-EA8C-5CD1-2C12D4EDD0AB}"/>
+          </ac:spMkLst>
+        </pc:spChg>
+        <pc:cxnChg chg="mod">
+          <ac:chgData name="Shengya Guo" userId="a35cb48c79df337d" providerId="LiveId" clId="{C126E2D1-F98E-415C-BDC4-DEA4B31F54EC}" dt="2024-12-02T13:59:14.638" v="134" actId="14100"/>
+          <ac:cxnSpMkLst>
+            <pc:docMk/>
+            <pc:sldMk cId="22935117" sldId="2147478237"/>
+            <ac:cxnSpMk id="2" creationId="{22C451D1-9596-45FD-0B66-51816E4B9D63}"/>
+          </ac:cxnSpMkLst>
+        </pc:cxnChg>
+        <pc:cxnChg chg="mod">
+          <ac:chgData name="Shengya Guo" userId="a35cb48c79df337d" providerId="LiveId" clId="{C126E2D1-F98E-415C-BDC4-DEA4B31F54EC}" dt="2024-12-02T13:54:59.139" v="83" actId="14100"/>
+          <ac:cxnSpMkLst>
+            <pc:docMk/>
+            <pc:sldMk cId="22935117" sldId="2147478237"/>
+            <ac:cxnSpMk id="11" creationId="{41A85315-D35F-C236-BE88-09A428FAF508}"/>
+          </ac:cxnSpMkLst>
+        </pc:cxnChg>
+        <pc:cxnChg chg="mod">
+          <ac:chgData name="Shengya Guo" userId="a35cb48c79df337d" providerId="LiveId" clId="{C126E2D1-F98E-415C-BDC4-DEA4B31F54EC}" dt="2024-12-02T13:54:35.080" v="78" actId="14100"/>
+          <ac:cxnSpMkLst>
+            <pc:docMk/>
+            <pc:sldMk cId="22935117" sldId="2147478237"/>
+            <ac:cxnSpMk id="22" creationId="{6A31565B-98F0-5EFC-B438-F83FF53921E8}"/>
+          </ac:cxnSpMkLst>
+        </pc:cxnChg>
+      </pc:sldChg>
+      <pc:sldChg chg="addSp delSp modSp mod">
+        <pc:chgData name="Shengya Guo" userId="a35cb48c79df337d" providerId="LiveId" clId="{C126E2D1-F98E-415C-BDC4-DEA4B31F54EC}" dt="2024-11-30T10:12:17.607" v="10" actId="478"/>
+        <pc:sldMkLst>
+          <pc:docMk/>
+          <pc:sldMk cId="3321323634" sldId="2147478238"/>
+        </pc:sldMkLst>
+        <pc:spChg chg="mod">
+          <ac:chgData name="Shengya Guo" userId="a35cb48c79df337d" providerId="LiveId" clId="{C126E2D1-F98E-415C-BDC4-DEA4B31F54EC}" dt="2024-11-30T10:06:50.539" v="3" actId="1076"/>
+          <ac:spMkLst>
+            <pc:docMk/>
+            <pc:sldMk cId="3321323634" sldId="2147478238"/>
+            <ac:spMk id="14" creationId="{1FBF8439-4E5A-3B41-FB05-FA267C363DAE}"/>
+          </ac:spMkLst>
+        </pc:spChg>
+        <pc:picChg chg="add del mod">
+          <ac:chgData name="Shengya Guo" userId="a35cb48c79df337d" providerId="LiveId" clId="{C126E2D1-F98E-415C-BDC4-DEA4B31F54EC}" dt="2024-11-30T10:11:17.609" v="8" actId="478"/>
+          <ac:picMkLst>
+            <pc:docMk/>
+            <pc:sldMk cId="3321323634" sldId="2147478238"/>
+            <ac:picMk id="7" creationId="{735E2519-71F4-4502-1271-DAEA92A21332}"/>
+          </ac:picMkLst>
+        </pc:picChg>
+        <pc:picChg chg="add del">
+          <ac:chgData name="Shengya Guo" userId="a35cb48c79df337d" providerId="LiveId" clId="{C126E2D1-F98E-415C-BDC4-DEA4B31F54EC}" dt="2024-11-30T10:12:17.607" v="10" actId="478"/>
+          <ac:picMkLst>
+            <pc:docMk/>
+            <pc:sldMk cId="3321323634" sldId="2147478238"/>
+            <ac:picMk id="9" creationId="{93AFB244-3712-B3D0-DA87-C651FEA6AAE3}"/>
+          </ac:picMkLst>
+        </pc:picChg>
       </pc:sldChg>
     </pc:docChg>
   </pc:docChgLst>
@@ -1514,7 +1641,7 @@
           <a:p>
             <a:fld id="{72A7CB3C-0D07-4870-A076-616738F3DCD9}" type="datetimeFigureOut">
               <a:rPr lang="de-DE" smtClean="0"/>
-              <a:t>21.11.2024</a:t>
+              <a:t>02.12.2024</a:t>
             </a:fld>
             <a:endParaRPr lang="de-DE"/>
           </a:p>
@@ -1672,7 +1799,7 @@
           <a:p>
             <a:fld id="{99F6439B-5F5B-4008-A06C-CFD1B1146EE9}" type="slidenum">
               <a:rPr lang="de-DE" smtClean="0"/>
-              <a:t>‹Nr.›</a:t>
+              <a:t>‹#›</a:t>
             </a:fld>
             <a:endParaRPr lang="de-DE"/>
           </a:p>
@@ -2012,7 +2139,7 @@
           <a:p>
             <a:fld id="{FE4AF434-8BF5-4AE4-A13C-9CF38DCD978E}" type="datetimeFigureOut">
               <a:rPr lang="de-DE" smtClean="0"/>
-              <a:t>21.11.2024</a:t>
+              <a:t>02.12.2024</a:t>
             </a:fld>
             <a:endParaRPr lang="de-DE"/>
           </a:p>
@@ -2066,7 +2193,7 @@
           <a:p>
             <a:fld id="{204ACB7D-2E44-48E7-82A7-83CE278A40DE}" type="slidenum">
               <a:rPr lang="de-DE" smtClean="0"/>
-              <a:t>‹Nr.›</a:t>
+              <a:t>‹#›</a:t>
             </a:fld>
             <a:endParaRPr lang="de-DE"/>
           </a:p>
@@ -2210,7 +2337,7 @@
           <a:p>
             <a:fld id="{FE4AF434-8BF5-4AE4-A13C-9CF38DCD978E}" type="datetimeFigureOut">
               <a:rPr lang="de-DE" smtClean="0"/>
-              <a:t>21.11.2024</a:t>
+              <a:t>02.12.2024</a:t>
             </a:fld>
             <a:endParaRPr lang="de-DE"/>
           </a:p>
@@ -2264,7 +2391,7 @@
           <a:p>
             <a:fld id="{204ACB7D-2E44-48E7-82A7-83CE278A40DE}" type="slidenum">
               <a:rPr lang="de-DE" smtClean="0"/>
-              <a:t>‹Nr.›</a:t>
+              <a:t>‹#›</a:t>
             </a:fld>
             <a:endParaRPr lang="de-DE"/>
           </a:p>
@@ -2418,7 +2545,7 @@
           <a:p>
             <a:fld id="{FE4AF434-8BF5-4AE4-A13C-9CF38DCD978E}" type="datetimeFigureOut">
               <a:rPr lang="de-DE" smtClean="0"/>
-              <a:t>21.11.2024</a:t>
+              <a:t>02.12.2024</a:t>
             </a:fld>
             <a:endParaRPr lang="de-DE"/>
           </a:p>
@@ -2472,7 +2599,7 @@
           <a:p>
             <a:fld id="{204ACB7D-2E44-48E7-82A7-83CE278A40DE}" type="slidenum">
               <a:rPr lang="de-DE" smtClean="0"/>
-              <a:t>‹Nr.›</a:t>
+              <a:t>‹#›</a:t>
             </a:fld>
             <a:endParaRPr lang="de-DE"/>
           </a:p>
@@ -2752,7 +2879,7 @@
             <a:fld id="{4898AEC0-503E-4FA4-859C-D0F72D6E3F79}" type="slidenum">
               <a:rPr lang="en-US" noProof="1" smtClean="0"/>
               <a:pPr/>
-              <a:t>‹Nr.›</a:t>
+              <a:t>‹#›</a:t>
             </a:fld>
             <a:endParaRPr lang="en-US" noProof="1"/>
           </a:p>
@@ -2937,7 +3064,7 @@
           <a:p>
             <a:fld id="{FE4AF434-8BF5-4AE4-A13C-9CF38DCD978E}" type="datetimeFigureOut">
               <a:rPr lang="de-DE" smtClean="0"/>
-              <a:t>21.11.2024</a:t>
+              <a:t>02.12.2024</a:t>
             </a:fld>
             <a:endParaRPr lang="de-DE"/>
           </a:p>
@@ -2991,7 +3118,7 @@
           <a:p>
             <a:fld id="{204ACB7D-2E44-48E7-82A7-83CE278A40DE}" type="slidenum">
               <a:rPr lang="de-DE" smtClean="0"/>
-              <a:t>‹Nr.›</a:t>
+              <a:t>‹#›</a:t>
             </a:fld>
             <a:endParaRPr lang="de-DE"/>
           </a:p>
@@ -3212,7 +3339,7 @@
           <a:p>
             <a:fld id="{FE4AF434-8BF5-4AE4-A13C-9CF38DCD978E}" type="datetimeFigureOut">
               <a:rPr lang="de-DE" smtClean="0"/>
-              <a:t>21.11.2024</a:t>
+              <a:t>02.12.2024</a:t>
             </a:fld>
             <a:endParaRPr lang="de-DE"/>
           </a:p>
@@ -3266,7 +3393,7 @@
           <a:p>
             <a:fld id="{204ACB7D-2E44-48E7-82A7-83CE278A40DE}" type="slidenum">
               <a:rPr lang="de-DE" smtClean="0"/>
-              <a:t>‹Nr.›</a:t>
+              <a:t>‹#›</a:t>
             </a:fld>
             <a:endParaRPr lang="de-DE"/>
           </a:p>
@@ -3477,7 +3604,7 @@
           <a:p>
             <a:fld id="{FE4AF434-8BF5-4AE4-A13C-9CF38DCD978E}" type="datetimeFigureOut">
               <a:rPr lang="de-DE" smtClean="0"/>
-              <a:t>21.11.2024</a:t>
+              <a:t>02.12.2024</a:t>
             </a:fld>
             <a:endParaRPr lang="de-DE"/>
           </a:p>
@@ -3531,7 +3658,7 @@
           <a:p>
             <a:fld id="{204ACB7D-2E44-48E7-82A7-83CE278A40DE}" type="slidenum">
               <a:rPr lang="de-DE" smtClean="0"/>
-              <a:t>‹Nr.›</a:t>
+              <a:t>‹#›</a:t>
             </a:fld>
             <a:endParaRPr lang="de-DE"/>
           </a:p>
@@ -3889,7 +4016,7 @@
           <a:p>
             <a:fld id="{FE4AF434-8BF5-4AE4-A13C-9CF38DCD978E}" type="datetimeFigureOut">
               <a:rPr lang="de-DE" smtClean="0"/>
-              <a:t>21.11.2024</a:t>
+              <a:t>02.12.2024</a:t>
             </a:fld>
             <a:endParaRPr lang="de-DE"/>
           </a:p>
@@ -3943,7 +4070,7 @@
           <a:p>
             <a:fld id="{204ACB7D-2E44-48E7-82A7-83CE278A40DE}" type="slidenum">
               <a:rPr lang="de-DE" smtClean="0"/>
-              <a:t>‹Nr.›</a:t>
+              <a:t>‹#›</a:t>
             </a:fld>
             <a:endParaRPr lang="de-DE"/>
           </a:p>
@@ -4030,7 +4157,7 @@
           <a:p>
             <a:fld id="{FE4AF434-8BF5-4AE4-A13C-9CF38DCD978E}" type="datetimeFigureOut">
               <a:rPr lang="de-DE" smtClean="0"/>
-              <a:t>21.11.2024</a:t>
+              <a:t>02.12.2024</a:t>
             </a:fld>
             <a:endParaRPr lang="de-DE"/>
           </a:p>
@@ -4084,7 +4211,7 @@
           <a:p>
             <a:fld id="{204ACB7D-2E44-48E7-82A7-83CE278A40DE}" type="slidenum">
               <a:rPr lang="de-DE" smtClean="0"/>
-              <a:t>‹Nr.›</a:t>
+              <a:t>‹#›</a:t>
             </a:fld>
             <a:endParaRPr lang="de-DE"/>
           </a:p>
@@ -4143,7 +4270,7 @@
           <a:p>
             <a:fld id="{FE4AF434-8BF5-4AE4-A13C-9CF38DCD978E}" type="datetimeFigureOut">
               <a:rPr lang="de-DE" smtClean="0"/>
-              <a:t>21.11.2024</a:t>
+              <a:t>02.12.2024</a:t>
             </a:fld>
             <a:endParaRPr lang="de-DE"/>
           </a:p>
@@ -4197,7 +4324,7 @@
           <a:p>
             <a:fld id="{204ACB7D-2E44-48E7-82A7-83CE278A40DE}" type="slidenum">
               <a:rPr lang="de-DE" smtClean="0"/>
-              <a:t>‹Nr.›</a:t>
+              <a:t>‹#›</a:t>
             </a:fld>
             <a:endParaRPr lang="de-DE"/>
           </a:p>
@@ -4454,7 +4581,7 @@
           <a:p>
             <a:fld id="{FE4AF434-8BF5-4AE4-A13C-9CF38DCD978E}" type="datetimeFigureOut">
               <a:rPr lang="de-DE" smtClean="0"/>
-              <a:t>21.11.2024</a:t>
+              <a:t>02.12.2024</a:t>
             </a:fld>
             <a:endParaRPr lang="de-DE"/>
           </a:p>
@@ -4508,7 +4635,7 @@
           <a:p>
             <a:fld id="{204ACB7D-2E44-48E7-82A7-83CE278A40DE}" type="slidenum">
               <a:rPr lang="de-DE" smtClean="0"/>
-              <a:t>‹Nr.›</a:t>
+              <a:t>‹#›</a:t>
             </a:fld>
             <a:endParaRPr lang="de-DE"/>
           </a:p>
@@ -4742,7 +4869,7 @@
           <a:p>
             <a:fld id="{FE4AF434-8BF5-4AE4-A13C-9CF38DCD978E}" type="datetimeFigureOut">
               <a:rPr lang="de-DE" smtClean="0"/>
-              <a:t>21.11.2024</a:t>
+              <a:t>02.12.2024</a:t>
             </a:fld>
             <a:endParaRPr lang="de-DE"/>
           </a:p>
@@ -4796,7 +4923,7 @@
           <a:p>
             <a:fld id="{204ACB7D-2E44-48E7-82A7-83CE278A40DE}" type="slidenum">
               <a:rPr lang="de-DE" smtClean="0"/>
-              <a:t>‹Nr.›</a:t>
+              <a:t>‹#›</a:t>
             </a:fld>
             <a:endParaRPr lang="de-DE"/>
           </a:p>
@@ -4983,7 +5110,7 @@
           <a:p>
             <a:fld id="{FE4AF434-8BF5-4AE4-A13C-9CF38DCD978E}" type="datetimeFigureOut">
               <a:rPr lang="de-DE" smtClean="0"/>
-              <a:t>21.11.2024</a:t>
+              <a:t>02.12.2024</a:t>
             </a:fld>
             <a:endParaRPr lang="de-DE"/>
           </a:p>
@@ -5073,7 +5200,7 @@
           <a:p>
             <a:fld id="{204ACB7D-2E44-48E7-82A7-83CE278A40DE}" type="slidenum">
               <a:rPr lang="de-DE" smtClean="0"/>
-              <a:t>‹Nr.›</a:t>
+              <a:t>‹#›</a:t>
             </a:fld>
             <a:endParaRPr lang="de-DE"/>
           </a:p>
@@ -8483,13 +8610,7 @@
                             <a:rPr lang="de-DE" sz="1400" b="0" i="1" smtClean="0">
                               <a:latin typeface="Cambria Math" panose="02040503050406030204" pitchFamily="18" charset="0"/>
                             </a:rPr>
-                            <m:t>−</m:t>
-                          </m:r>
-                          <m:r>
-                            <a:rPr lang="de-DE" sz="1400" b="0" i="1" smtClean="0">
-                              <a:latin typeface="Cambria Math" panose="02040503050406030204" pitchFamily="18" charset="0"/>
-                            </a:rPr>
-                            <m:t>1</m:t>
+                            <m:t>−1</m:t>
                           </m:r>
                         </m:sup>
                       </m:sSup>
@@ -8861,6 +8982,109 @@
       </p:grpSpPr>
       <p:sp>
         <p:nvSpPr>
+          <p:cNvPr id="38" name="Rechteck: abgerundete Ecken 6">
+            <a:extLst>
+              <a:ext uri="{FF2B5EF4-FFF2-40B4-BE49-F238E27FC236}">
+                <a16:creationId xmlns:a16="http://schemas.microsoft.com/office/drawing/2014/main" id="{BA291903-5231-A5A0-9FE5-D606A0A1DB43}"/>
+              </a:ext>
+            </a:extLst>
+          </p:cNvPr>
+          <p:cNvSpPr/>
+          <p:nvPr/>
+        </p:nvSpPr>
+        <p:spPr>
+          <a:xfrm>
+            <a:off x="579407" y="2749002"/>
+            <a:ext cx="2814615" cy="1528510"/>
+          </a:xfrm>
+          <a:prstGeom prst="roundRect">
+            <a:avLst/>
+          </a:prstGeom>
+        </p:spPr>
+        <p:style>
+          <a:lnRef idx="2">
+            <a:schemeClr val="accent3">
+              <a:shade val="15000"/>
+            </a:schemeClr>
+          </a:lnRef>
+          <a:fillRef idx="1">
+            <a:schemeClr val="accent3"/>
+          </a:fillRef>
+          <a:effectRef idx="0">
+            <a:schemeClr val="accent3"/>
+          </a:effectRef>
+          <a:fontRef idx="minor">
+            <a:schemeClr val="lt1"/>
+          </a:fontRef>
+        </p:style>
+        <p:txBody>
+          <a:bodyPr rtlCol="0" anchor="ctr"/>
+          <a:lstStyle/>
+          <a:p>
+            <a:pPr algn="ctr"/>
+            <a:endParaRPr lang="de-DE" dirty="0">
+              <a:solidFill>
+                <a:schemeClr val="tx1"/>
+              </a:solidFill>
+            </a:endParaRPr>
+          </a:p>
+        </p:txBody>
+      </p:sp>
+      <p:sp>
+        <p:nvSpPr>
+          <p:cNvPr id="10" name="Rechteck: abgerundete Ecken 6">
+            <a:extLst>
+              <a:ext uri="{FF2B5EF4-FFF2-40B4-BE49-F238E27FC236}">
+                <a16:creationId xmlns:a16="http://schemas.microsoft.com/office/drawing/2014/main" id="{5EB4634C-29EA-7842-A146-53A825051140}"/>
+              </a:ext>
+            </a:extLst>
+          </p:cNvPr>
+          <p:cNvSpPr/>
+          <p:nvPr/>
+        </p:nvSpPr>
+        <p:spPr>
+          <a:xfrm>
+            <a:off x="1124472" y="3028303"/>
+            <a:ext cx="2002756" cy="640080"/>
+          </a:xfrm>
+          <a:prstGeom prst="roundRect">
+            <a:avLst/>
+          </a:prstGeom>
+        </p:spPr>
+        <p:style>
+          <a:lnRef idx="2">
+            <a:schemeClr val="accent4">
+              <a:shade val="15000"/>
+            </a:schemeClr>
+          </a:lnRef>
+          <a:fillRef idx="1">
+            <a:schemeClr val="accent4"/>
+          </a:fillRef>
+          <a:effectRef idx="0">
+            <a:schemeClr val="accent4"/>
+          </a:effectRef>
+          <a:fontRef idx="minor">
+            <a:schemeClr val="lt1"/>
+          </a:fontRef>
+        </p:style>
+        <p:txBody>
+          <a:bodyPr rtlCol="0" anchor="ctr"/>
+          <a:lstStyle/>
+          <a:p>
+            <a:pPr algn="ctr"/>
+            <a:r>
+              <a:rPr lang="de-DE" dirty="0">
+                <a:solidFill>
+                  <a:schemeClr val="tx1"/>
+                </a:solidFill>
+              </a:rPr>
+              <a:t>EMB Environment</a:t>
+            </a:r>
+          </a:p>
+        </p:txBody>
+      </p:sp>
+      <p:sp>
+        <p:nvSpPr>
           <p:cNvPr id="8" name="Rechteck: abgerundete Ecken 7">
             <a:extLst>
               <a:ext uri="{FF2B5EF4-FFF2-40B4-BE49-F238E27FC236}">
@@ -9012,59 +9236,6 @@
                 </a:solidFill>
               </a:rPr>
               <a:t>Critic Network</a:t>
-            </a:r>
-          </a:p>
-        </p:txBody>
-      </p:sp>
-      <p:sp>
-        <p:nvSpPr>
-          <p:cNvPr id="7" name="Rechteck: abgerundete Ecken 6">
-            <a:extLst>
-              <a:ext uri="{FF2B5EF4-FFF2-40B4-BE49-F238E27FC236}">
-                <a16:creationId xmlns:a16="http://schemas.microsoft.com/office/drawing/2014/main" id="{CD0705C1-FD62-7067-EDCE-3D99974CE05F}"/>
-              </a:ext>
-            </a:extLst>
-          </p:cNvPr>
-          <p:cNvSpPr/>
-          <p:nvPr/>
-        </p:nvSpPr>
-        <p:spPr>
-          <a:xfrm>
-            <a:off x="798347" y="3353545"/>
-            <a:ext cx="1976846" cy="640080"/>
-          </a:xfrm>
-          <a:prstGeom prst="roundRect">
-            <a:avLst/>
-          </a:prstGeom>
-        </p:spPr>
-        <p:style>
-          <a:lnRef idx="2">
-            <a:schemeClr val="accent4">
-              <a:shade val="15000"/>
-            </a:schemeClr>
-          </a:lnRef>
-          <a:fillRef idx="1">
-            <a:schemeClr val="accent4"/>
-          </a:fillRef>
-          <a:effectRef idx="0">
-            <a:schemeClr val="accent4"/>
-          </a:effectRef>
-          <a:fontRef idx="minor">
-            <a:schemeClr val="lt1"/>
-          </a:fontRef>
-        </p:style>
-        <p:txBody>
-          <a:bodyPr rtlCol="0" anchor="ctr"/>
-          <a:lstStyle/>
-          <a:p>
-            <a:pPr algn="ctr"/>
-            <a:r>
-              <a:rPr lang="de-DE" dirty="0">
-                <a:solidFill>
-                  <a:schemeClr val="tx1"/>
-                </a:solidFill>
-              </a:rPr>
-              <a:t>EMB Environment</a:t>
             </a:r>
           </a:p>
         </p:txBody>
@@ -9556,19 +9727,20 @@
             </a:extLst>
           </p:cNvPr>
           <p:cNvCxnSpPr>
+            <a:cxnSpLocks/>
             <a:stCxn id="5" idx="0"/>
-            <a:endCxn id="7" idx="0"/>
+            <a:endCxn id="38" idx="0"/>
           </p:cNvCxnSpPr>
           <p:nvPr/>
         </p:nvCxnSpPr>
         <p:spPr>
           <a:xfrm rot="16200000" flipH="1" flipV="1">
-            <a:off x="4539457" y="-446570"/>
-            <a:ext cx="1047427" cy="6552802"/>
+            <a:off x="4941702" y="-648869"/>
+            <a:ext cx="442884" cy="6352857"/>
           </a:xfrm>
           <a:prstGeom prst="curvedConnector3">
             <a:avLst>
-              <a:gd name="adj1" fmla="val -21825"/>
+              <a:gd name="adj1" fmla="val -70176"/>
             </a:avLst>
           </a:prstGeom>
           <a:ln w="19050">
@@ -9697,20 +9869,20 @@
           </p:cNvPr>
           <p:cNvCxnSpPr>
             <a:cxnSpLocks/>
-            <a:stCxn id="7" idx="2"/>
+            <a:stCxn id="38" idx="2"/>
             <a:endCxn id="9" idx="1"/>
           </p:cNvCxnSpPr>
           <p:nvPr/>
         </p:nvCxnSpPr>
         <p:spPr>
           <a:xfrm rot="5400000" flipH="1" flipV="1">
-            <a:off x="2718545" y="2681286"/>
-            <a:ext cx="380564" cy="2244114"/>
+            <a:off x="2676573" y="2923202"/>
+            <a:ext cx="664451" cy="2044169"/>
           </a:xfrm>
           <a:prstGeom prst="curvedConnector4">
             <a:avLst>
-              <a:gd name="adj1" fmla="val -60069"/>
-              <a:gd name="adj2" fmla="val 72023"/>
+              <a:gd name="adj1" fmla="val -34404"/>
+              <a:gd name="adj2" fmla="val 84422"/>
             </a:avLst>
           </a:prstGeom>
           <a:ln w="19050">
@@ -9732,8 +9904,8 @@
           </a:fontRef>
         </p:style>
       </p:cxnSp>
-      <mc:AlternateContent xmlns:mc="http://schemas.openxmlformats.org/markup-compatibility/2006" xmlns:a14="http://schemas.microsoft.com/office/drawing/2010/main">
-        <mc:Choice Requires="a14">
+      <mc:AlternateContent xmlns:mc="http://schemas.openxmlformats.org/markup-compatibility/2006">
+        <mc:Choice xmlns:a14="http://schemas.microsoft.com/office/drawing/2010/main" Requires="a14">
           <p:sp>
             <p:nvSpPr>
               <p:cNvPr id="32" name="Textfeld 31">
@@ -9748,7 +9920,7 @@
             </p:nvSpPr>
             <p:spPr>
               <a:xfrm>
-                <a:off x="2382318" y="4260849"/>
+                <a:off x="2355774" y="4442556"/>
                 <a:ext cx="592033" cy="400238"/>
               </a:xfrm>
               <a:prstGeom prst="rect">
@@ -9807,7 +9979,7 @@
             </p:txBody>
           </p:sp>
         </mc:Choice>
-        <mc:Fallback xmlns="">
+        <mc:Fallback>
           <p:sp>
             <p:nvSpPr>
               <p:cNvPr id="32" name="Textfeld 31">
@@ -9824,7 +9996,7 @@
             </p:nvSpPr>
             <p:spPr>
               <a:xfrm>
-                <a:off x="2382318" y="4260849"/>
+                <a:off x="2355774" y="4442556"/>
                 <a:ext cx="592033" cy="400238"/>
               </a:xfrm>
               <a:prstGeom prst="rect">
@@ -9833,7 +10005,7 @@
               <a:blipFill>
                 <a:blip r:embed="rId4"/>
                 <a:stretch>
-                  <a:fillRect r="-32990"/>
+                  <a:fillRect r="-31633"/>
                 </a:stretch>
               </a:blipFill>
             </p:spPr>
@@ -9842,7 +10014,7 @@
               <a:lstStyle/>
               <a:p>
                 <a:r>
-                  <a:rPr lang="de-DE">
+                  <a:rPr lang="zh-CN" altLang="en-US">
                     <a:noFill/>
                   </a:rPr>
                   <a:t> </a:t>
@@ -9866,7 +10038,7 @@
         </p:nvSpPr>
         <p:spPr>
           <a:xfrm>
-            <a:off x="6313184" y="1467619"/>
+            <a:off x="6571606" y="1396859"/>
             <a:ext cx="1285870" cy="369332"/>
           </a:xfrm>
           <a:prstGeom prst="rect">
@@ -10764,20 +10936,20 @@
           </p:cNvPr>
           <p:cNvCxnSpPr>
             <a:cxnSpLocks/>
-            <a:stCxn id="7" idx="2"/>
+            <a:stCxn id="38" idx="2"/>
             <a:endCxn id="5" idx="3"/>
           </p:cNvCxnSpPr>
           <p:nvPr/>
         </p:nvCxnSpPr>
         <p:spPr>
           <a:xfrm rot="5400000" flipH="1" flipV="1">
-            <a:off x="4848067" y="-435139"/>
-            <a:ext cx="1367467" cy="7490062"/>
+            <a:off x="4806096" y="-193224"/>
+            <a:ext cx="1651354" cy="7290117"/>
           </a:xfrm>
           <a:prstGeom prst="curvedConnector4">
             <a:avLst>
-              <a:gd name="adj1" fmla="val -149817"/>
-              <a:gd name="adj2" fmla="val 109611"/>
+              <a:gd name="adj1" fmla="val -99080"/>
+              <a:gd name="adj2" fmla="val 111733"/>
             </a:avLst>
           </a:prstGeom>
           <a:ln w="19050">
@@ -10799,6 +10971,59 @@
           </a:fontRef>
         </p:style>
       </p:cxnSp>
+      <p:sp>
+        <p:nvSpPr>
+          <p:cNvPr id="4" name="Rechteck: abgerundete Ecken 6">
+            <a:extLst>
+              <a:ext uri="{FF2B5EF4-FFF2-40B4-BE49-F238E27FC236}">
+                <a16:creationId xmlns:a16="http://schemas.microsoft.com/office/drawing/2014/main" id="{E61A1308-0D70-2BF6-CB7B-940E500FAE46}"/>
+              </a:ext>
+            </a:extLst>
+          </p:cNvPr>
+          <p:cNvSpPr/>
+          <p:nvPr/>
+        </p:nvSpPr>
+        <p:spPr>
+          <a:xfrm>
+            <a:off x="979879" y="3138537"/>
+            <a:ext cx="2039471" cy="640080"/>
+          </a:xfrm>
+          <a:prstGeom prst="roundRect">
+            <a:avLst/>
+          </a:prstGeom>
+        </p:spPr>
+        <p:style>
+          <a:lnRef idx="2">
+            <a:schemeClr val="accent4">
+              <a:shade val="15000"/>
+            </a:schemeClr>
+          </a:lnRef>
+          <a:fillRef idx="1">
+            <a:schemeClr val="accent4"/>
+          </a:fillRef>
+          <a:effectRef idx="0">
+            <a:schemeClr val="accent4"/>
+          </a:effectRef>
+          <a:fontRef idx="minor">
+            <a:schemeClr val="lt1"/>
+          </a:fontRef>
+        </p:style>
+        <p:txBody>
+          <a:bodyPr rtlCol="0" anchor="ctr"/>
+          <a:lstStyle/>
+          <a:p>
+            <a:pPr algn="ctr"/>
+            <a:r>
+              <a:rPr lang="de-DE" dirty="0">
+                <a:solidFill>
+                  <a:schemeClr val="tx1"/>
+                </a:solidFill>
+              </a:rPr>
+              <a:t>EMB Environment</a:t>
+            </a:r>
+          </a:p>
+        </p:txBody>
+      </p:sp>
       <mc:AlternateContent xmlns:mc="http://schemas.openxmlformats.org/markup-compatibility/2006" xmlns:a14="http://schemas.microsoft.com/office/drawing/2010/main">
         <mc:Choice Requires="a14">
           <p:sp>
@@ -10917,6 +11142,160 @@
           </p:sp>
         </mc:Fallback>
       </mc:AlternateContent>
+      <p:sp>
+        <p:nvSpPr>
+          <p:cNvPr id="3" name="Rechteck: abgerundete Ecken 6">
+            <a:extLst>
+              <a:ext uri="{FF2B5EF4-FFF2-40B4-BE49-F238E27FC236}">
+                <a16:creationId xmlns:a16="http://schemas.microsoft.com/office/drawing/2014/main" id="{C7F212BB-8397-BAE2-E7D7-0442E9257590}"/>
+              </a:ext>
+            </a:extLst>
+          </p:cNvPr>
+          <p:cNvSpPr/>
+          <p:nvPr/>
+        </p:nvSpPr>
+        <p:spPr>
+          <a:xfrm>
+            <a:off x="858130" y="3244232"/>
+            <a:ext cx="2039471" cy="640080"/>
+          </a:xfrm>
+          <a:prstGeom prst="roundRect">
+            <a:avLst/>
+          </a:prstGeom>
+        </p:spPr>
+        <p:style>
+          <a:lnRef idx="2">
+            <a:schemeClr val="accent4">
+              <a:shade val="15000"/>
+            </a:schemeClr>
+          </a:lnRef>
+          <a:fillRef idx="1">
+            <a:schemeClr val="accent4"/>
+          </a:fillRef>
+          <a:effectRef idx="0">
+            <a:schemeClr val="accent4"/>
+          </a:effectRef>
+          <a:fontRef idx="minor">
+            <a:schemeClr val="lt1"/>
+          </a:fontRef>
+        </p:style>
+        <p:txBody>
+          <a:bodyPr rtlCol="0" anchor="ctr"/>
+          <a:lstStyle/>
+          <a:p>
+            <a:pPr algn="ctr"/>
+            <a:r>
+              <a:rPr lang="de-DE" dirty="0">
+                <a:solidFill>
+                  <a:schemeClr val="tx1"/>
+                </a:solidFill>
+              </a:rPr>
+              <a:t>EMB Environment</a:t>
+            </a:r>
+          </a:p>
+        </p:txBody>
+      </p:sp>
+      <p:sp>
+        <p:nvSpPr>
+          <p:cNvPr id="7" name="Rechteck: abgerundete Ecken 6">
+            <a:extLst>
+              <a:ext uri="{FF2B5EF4-FFF2-40B4-BE49-F238E27FC236}">
+                <a16:creationId xmlns:a16="http://schemas.microsoft.com/office/drawing/2014/main" id="{CD0705C1-FD62-7067-EDCE-3D99974CE05F}"/>
+              </a:ext>
+            </a:extLst>
+          </p:cNvPr>
+          <p:cNvSpPr/>
+          <p:nvPr/>
+        </p:nvSpPr>
+        <p:spPr>
+          <a:xfrm>
+            <a:off x="748030" y="3355386"/>
+            <a:ext cx="2039471" cy="640080"/>
+          </a:xfrm>
+          <a:prstGeom prst="roundRect">
+            <a:avLst/>
+          </a:prstGeom>
+        </p:spPr>
+        <p:style>
+          <a:lnRef idx="2">
+            <a:schemeClr val="accent4">
+              <a:shade val="15000"/>
+            </a:schemeClr>
+          </a:lnRef>
+          <a:fillRef idx="1">
+            <a:schemeClr val="accent4"/>
+          </a:fillRef>
+          <a:effectRef idx="0">
+            <a:schemeClr val="accent4"/>
+          </a:effectRef>
+          <a:fontRef idx="minor">
+            <a:schemeClr val="lt1"/>
+          </a:fontRef>
+        </p:style>
+        <p:txBody>
+          <a:bodyPr rtlCol="0" anchor="ctr"/>
+          <a:lstStyle/>
+          <a:p>
+            <a:pPr algn="ctr"/>
+            <a:r>
+              <a:rPr lang="de-DE" dirty="0">
+                <a:solidFill>
+                  <a:schemeClr val="tx1"/>
+                </a:solidFill>
+              </a:rPr>
+              <a:t>EMB-Environment</a:t>
+            </a:r>
+            <a:r>
+              <a:rPr lang="en-US" dirty="0">
+                <a:solidFill>
+                  <a:schemeClr val="tx1"/>
+                </a:solidFill>
+              </a:rPr>
+              <a:t> </a:t>
+            </a:r>
+            <a:endParaRPr lang="de-DE" dirty="0">
+              <a:solidFill>
+                <a:schemeClr val="tx1"/>
+              </a:solidFill>
+            </a:endParaRPr>
+          </a:p>
+        </p:txBody>
+      </p:sp>
+      <p:sp>
+        <p:nvSpPr>
+          <p:cNvPr id="54" name="Textfeld 34">
+            <a:extLst>
+              <a:ext uri="{FF2B5EF4-FFF2-40B4-BE49-F238E27FC236}">
+                <a16:creationId xmlns:a16="http://schemas.microsoft.com/office/drawing/2014/main" id="{C701AEA8-D753-EA8C-5CD1-2C12D4EDD0AB}"/>
+              </a:ext>
+            </a:extLst>
+          </p:cNvPr>
+          <p:cNvSpPr txBox="1"/>
+          <p:nvPr/>
+        </p:nvSpPr>
+        <p:spPr>
+          <a:xfrm>
+            <a:off x="-43166" y="2327075"/>
+            <a:ext cx="2213195" cy="369332"/>
+          </a:xfrm>
+          <a:prstGeom prst="rect">
+            <a:avLst/>
+          </a:prstGeom>
+          <a:noFill/>
+        </p:spPr>
+        <p:txBody>
+          <a:bodyPr wrap="square">
+            <a:spAutoFit/>
+          </a:bodyPr>
+          <a:lstStyle/>
+          <a:p>
+            <a:r>
+              <a:rPr lang="de-DE" dirty="0"/>
+              <a:t>Parallel Environments</a:t>
+            </a:r>
+          </a:p>
+        </p:txBody>
+      </p:sp>
     </p:spTree>
     <p:extLst>
       <p:ext uri="{BB962C8B-B14F-4D97-AF65-F5344CB8AC3E}">
@@ -11814,7 +12193,7 @@
             </p:nvSpPr>
             <p:spPr>
               <a:xfrm>
-                <a:off x="3136678" y="2694667"/>
+                <a:off x="2906645" y="2694160"/>
                 <a:ext cx="592033" cy="307777"/>
               </a:xfrm>
               <a:prstGeom prst="rect">
@@ -11843,6 +12222,15 @@
                           <a:latin typeface="Cambria Math" panose="02040503050406030204" pitchFamily="18" charset="0"/>
                         </a:rPr>
                         <m:t>P</m:t>
+                      </m:r>
+                      <m:r>
+                        <m:rPr>
+                          <m:sty m:val="p"/>
+                        </m:rPr>
+                        <a:rPr lang="en-US" altLang="zh-CN" sz="1400" i="1">
+                          <a:latin typeface="Cambria Math" panose="02040503050406030204" pitchFamily="18" charset="0"/>
+                        </a:rPr>
+                        <m:t>DF</m:t>
                       </m:r>
                       <m:r>
                         <a:rPr lang="de-DE" altLang="zh-CN" sz="1400" b="0" i="1" smtClean="0">
@@ -11887,7 +12275,7 @@
             </p:nvSpPr>
             <p:spPr>
               <a:xfrm>
-                <a:off x="3136678" y="2694667"/>
+                <a:off x="2906645" y="2694160"/>
                 <a:ext cx="592033" cy="307777"/>
               </a:xfrm>
               <a:prstGeom prst="rect">
@@ -11896,7 +12284,7 @@
               <a:blipFill>
                 <a:blip r:embed="rId3"/>
                 <a:stretch>
-                  <a:fillRect b="-5882"/>
+                  <a:fillRect r="-24742" b="-8000"/>
                 </a:stretch>
               </a:blipFill>
             </p:spPr>
@@ -11905,7 +12293,7 @@
               <a:lstStyle/>
               <a:p>
                 <a:r>
-                  <a:rPr lang="de-DE">
+                  <a:rPr lang="zh-CN" altLang="en-US">
                     <a:noFill/>
                   </a:rPr>
                   <a:t> </a:t>
@@ -12483,8 +12871,8 @@
           <a:chExt cx="0" cy="0"/>
         </a:xfrm>
       </p:grpSpPr>
-      <mc:AlternateContent xmlns:mc="http://schemas.openxmlformats.org/markup-compatibility/2006">
-        <mc:Choice xmlns:a14="http://schemas.microsoft.com/office/drawing/2010/main" Requires="a14">
+      <mc:AlternateContent xmlns:mc="http://schemas.openxmlformats.org/markup-compatibility/2006" xmlns:a14="http://schemas.microsoft.com/office/drawing/2010/main">
+        <mc:Choice Requires="a14">
           <p:sp>
             <p:nvSpPr>
               <p:cNvPr id="5" name="Ellipse 4">
@@ -12569,7 +12957,7 @@
             </p:txBody>
           </p:sp>
         </mc:Choice>
-        <mc:Fallback>
+        <mc:Fallback xmlns="">
           <p:sp>
             <p:nvSpPr>
               <p:cNvPr id="5" name="Ellipse 4">
@@ -12619,8 +13007,8 @@
           </p:sp>
         </mc:Fallback>
       </mc:AlternateContent>
-      <mc:AlternateContent xmlns:mc="http://schemas.openxmlformats.org/markup-compatibility/2006">
-        <mc:Choice xmlns:a14="http://schemas.microsoft.com/office/drawing/2010/main" Requires="a14">
+      <mc:AlternateContent xmlns:mc="http://schemas.openxmlformats.org/markup-compatibility/2006" xmlns:a14="http://schemas.microsoft.com/office/drawing/2010/main">
+        <mc:Choice Requires="a14">
           <p:sp>
             <p:nvSpPr>
               <p:cNvPr id="6" name="Ellipse 5">
@@ -12705,7 +13093,7 @@
             </p:txBody>
           </p:sp>
         </mc:Choice>
-        <mc:Fallback>
+        <mc:Fallback xmlns="">
           <p:sp>
             <p:nvSpPr>
               <p:cNvPr id="6" name="Ellipse 5">
@@ -12755,8 +13143,8 @@
           </p:sp>
         </mc:Fallback>
       </mc:AlternateContent>
-      <mc:AlternateContent xmlns:mc="http://schemas.openxmlformats.org/markup-compatibility/2006">
-        <mc:Choice xmlns:a14="http://schemas.microsoft.com/office/drawing/2010/main" Requires="a14">
+      <mc:AlternateContent xmlns:mc="http://schemas.openxmlformats.org/markup-compatibility/2006" xmlns:a14="http://schemas.microsoft.com/office/drawing/2010/main">
+        <mc:Choice Requires="a14">
           <p:sp>
             <p:nvSpPr>
               <p:cNvPr id="7" name="Ellipse 6">
@@ -12841,7 +13229,7 @@
             </p:txBody>
           </p:sp>
         </mc:Choice>
-        <mc:Fallback>
+        <mc:Fallback xmlns="">
           <p:sp>
             <p:nvSpPr>
               <p:cNvPr id="7" name="Ellipse 6">
@@ -12891,8 +13279,8 @@
           </p:sp>
         </mc:Fallback>
       </mc:AlternateContent>
-      <mc:AlternateContent xmlns:mc="http://schemas.openxmlformats.org/markup-compatibility/2006">
-        <mc:Choice xmlns:a14="http://schemas.microsoft.com/office/drawing/2010/main" Requires="a14">
+      <mc:AlternateContent xmlns:mc="http://schemas.openxmlformats.org/markup-compatibility/2006" xmlns:a14="http://schemas.microsoft.com/office/drawing/2010/main">
+        <mc:Choice Requires="a14">
           <p:sp>
             <p:nvSpPr>
               <p:cNvPr id="8" name="Ellipse 7">
@@ -12977,7 +13365,7 @@
             </p:txBody>
           </p:sp>
         </mc:Choice>
-        <mc:Fallback>
+        <mc:Fallback xmlns="">
           <p:sp>
             <p:nvSpPr>
               <p:cNvPr id="8" name="Ellipse 7">
@@ -13027,8 +13415,8 @@
           </p:sp>
         </mc:Fallback>
       </mc:AlternateContent>
-      <mc:AlternateContent xmlns:mc="http://schemas.openxmlformats.org/markup-compatibility/2006">
-        <mc:Choice xmlns:a14="http://schemas.microsoft.com/office/drawing/2010/main" Requires="a14">
+      <mc:AlternateContent xmlns:mc="http://schemas.openxmlformats.org/markup-compatibility/2006" xmlns:a14="http://schemas.microsoft.com/office/drawing/2010/main">
+        <mc:Choice Requires="a14">
           <p:sp>
             <p:nvSpPr>
               <p:cNvPr id="11" name="Ellipse 10">
@@ -13113,7 +13501,7 @@
             </p:txBody>
           </p:sp>
         </mc:Choice>
-        <mc:Fallback>
+        <mc:Fallback xmlns="">
           <p:sp>
             <p:nvSpPr>
               <p:cNvPr id="11" name="Ellipse 10">
@@ -13163,8 +13551,8 @@
           </p:sp>
         </mc:Fallback>
       </mc:AlternateContent>
-      <mc:AlternateContent xmlns:mc="http://schemas.openxmlformats.org/markup-compatibility/2006">
-        <mc:Choice xmlns:a14="http://schemas.microsoft.com/office/drawing/2010/main" Requires="a14">
+      <mc:AlternateContent xmlns:mc="http://schemas.openxmlformats.org/markup-compatibility/2006" xmlns:a14="http://schemas.microsoft.com/office/drawing/2010/main">
+        <mc:Choice Requires="a14">
           <p:sp>
             <p:nvSpPr>
               <p:cNvPr id="12" name="Ellipse 11">
@@ -13249,7 +13637,7 @@
             </p:txBody>
           </p:sp>
         </mc:Choice>
-        <mc:Fallback>
+        <mc:Fallback xmlns="">
           <p:sp>
             <p:nvSpPr>
               <p:cNvPr id="12" name="Ellipse 11">
@@ -13299,8 +13687,8 @@
           </p:sp>
         </mc:Fallback>
       </mc:AlternateContent>
-      <mc:AlternateContent xmlns:mc="http://schemas.openxmlformats.org/markup-compatibility/2006">
-        <mc:Choice xmlns:a14="http://schemas.microsoft.com/office/drawing/2010/main" Requires="a14">
+      <mc:AlternateContent xmlns:mc="http://schemas.openxmlformats.org/markup-compatibility/2006" xmlns:a14="http://schemas.microsoft.com/office/drawing/2010/main">
+        <mc:Choice Requires="a14">
           <p:sp>
             <p:nvSpPr>
               <p:cNvPr id="13" name="Ellipse 12">
@@ -13385,7 +13773,7 @@
             </p:txBody>
           </p:sp>
         </mc:Choice>
-        <mc:Fallback>
+        <mc:Fallback xmlns="">
           <p:sp>
             <p:nvSpPr>
               <p:cNvPr id="13" name="Ellipse 12">
@@ -13825,8 +14213,8 @@
           </a:fontRef>
         </p:style>
       </p:cxnSp>
-      <mc:AlternateContent xmlns:mc="http://schemas.openxmlformats.org/markup-compatibility/2006">
-        <mc:Choice xmlns:a14="http://schemas.microsoft.com/office/drawing/2010/main" Requires="a14">
+      <mc:AlternateContent xmlns:mc="http://schemas.openxmlformats.org/markup-compatibility/2006" xmlns:a14="http://schemas.microsoft.com/office/drawing/2010/main">
+        <mc:Choice Requires="a14">
           <p:sp>
             <p:nvSpPr>
               <p:cNvPr id="30" name="Textfeld 29">
@@ -13855,6 +14243,7 @@
               </a:bodyPr>
               <a:lstStyle/>
               <a:p>
+                <a:pPr/>
                 <a14:m>
                   <m:oMathPara xmlns:m="http://schemas.openxmlformats.org/officeDocument/2006/math">
                     <m:oMathParaPr>
@@ -13894,7 +14283,7 @@
             </p:txBody>
           </p:sp>
         </mc:Choice>
-        <mc:Fallback>
+        <mc:Fallback xmlns="">
           <p:sp>
             <p:nvSpPr>
               <p:cNvPr id="30" name="Textfeld 29">
@@ -13939,8 +14328,8 @@
           </p:sp>
         </mc:Fallback>
       </mc:AlternateContent>
-      <mc:AlternateContent xmlns:mc="http://schemas.openxmlformats.org/markup-compatibility/2006">
-        <mc:Choice xmlns:a14="http://schemas.microsoft.com/office/drawing/2010/main" Requires="a14">
+      <mc:AlternateContent xmlns:mc="http://schemas.openxmlformats.org/markup-compatibility/2006" xmlns:a14="http://schemas.microsoft.com/office/drawing/2010/main">
+        <mc:Choice Requires="a14">
           <p:sp>
             <p:nvSpPr>
               <p:cNvPr id="31" name="Textfeld 30">
@@ -13969,6 +14358,7 @@
               </a:bodyPr>
               <a:lstStyle/>
               <a:p>
+                <a:pPr/>
                 <a14:m>
                   <m:oMathPara xmlns:m="http://schemas.openxmlformats.org/officeDocument/2006/math">
                     <m:oMathParaPr>
@@ -14008,7 +14398,7 @@
             </p:txBody>
           </p:sp>
         </mc:Choice>
-        <mc:Fallback>
+        <mc:Fallback xmlns="">
           <p:sp>
             <p:nvSpPr>
               <p:cNvPr id="31" name="Textfeld 30">
@@ -14053,8 +14443,8 @@
           </p:sp>
         </mc:Fallback>
       </mc:AlternateContent>
-      <mc:AlternateContent xmlns:mc="http://schemas.openxmlformats.org/markup-compatibility/2006">
-        <mc:Choice xmlns:a14="http://schemas.microsoft.com/office/drawing/2010/main" Requires="a14">
+      <mc:AlternateContent xmlns:mc="http://schemas.openxmlformats.org/markup-compatibility/2006" xmlns:a14="http://schemas.microsoft.com/office/drawing/2010/main">
+        <mc:Choice Requires="a14">
           <p:sp>
             <p:nvSpPr>
               <p:cNvPr id="32" name="Textfeld 31">
@@ -14083,6 +14473,7 @@
               </a:bodyPr>
               <a:lstStyle/>
               <a:p>
+                <a:pPr/>
                 <a14:m>
                   <m:oMathPara xmlns:m="http://schemas.openxmlformats.org/officeDocument/2006/math">
                     <m:oMathParaPr>
@@ -14122,7 +14513,7 @@
             </p:txBody>
           </p:sp>
         </mc:Choice>
-        <mc:Fallback>
+        <mc:Fallback xmlns="">
           <p:sp>
             <p:nvSpPr>
               <p:cNvPr id="32" name="Textfeld 31">
@@ -14209,8 +14600,8 @@
           </a:fontRef>
         </p:style>
       </p:cxnSp>
-      <mc:AlternateContent xmlns:mc="http://schemas.openxmlformats.org/markup-compatibility/2006">
-        <mc:Choice xmlns:a14="http://schemas.microsoft.com/office/drawing/2010/main" Requires="a14">
+      <mc:AlternateContent xmlns:mc="http://schemas.openxmlformats.org/markup-compatibility/2006" xmlns:a14="http://schemas.microsoft.com/office/drawing/2010/main">
+        <mc:Choice Requires="a14">
           <p:sp>
             <p:nvSpPr>
               <p:cNvPr id="34" name="Textfeld 33">
@@ -14239,6 +14630,7 @@
               </a:bodyPr>
               <a:lstStyle/>
               <a:p>
+                <a:pPr/>
                 <a14:m>
                   <m:oMathPara xmlns:m="http://schemas.openxmlformats.org/officeDocument/2006/math">
                     <m:oMathParaPr>
@@ -14266,7 +14658,7 @@
             </p:txBody>
           </p:sp>
         </mc:Choice>
-        <mc:Fallback>
+        <mc:Fallback xmlns="">
           <p:sp>
             <p:nvSpPr>
               <p:cNvPr id="34" name="Textfeld 33">
